--- a/subTeam2/subTeam2_Domain_Diagram.pptx
+++ b/subTeam2/subTeam2_Domain_Diagram.pptx
@@ -6837,7 +6837,13 @@
         <p:nvGraphicFramePr>
           <p:cNvPr id="184" name="Google Shape;184;p18"/>
           <p:cNvGraphicFramePr/>
-          <p:nvPr/>
+          <p:nvPr>
+            <p:extLst>
+              <p:ext uri="{D42A27DB-BD31-4B8C-83A1-F6EECF244321}">
+                <p14:modId xmlns:p14="http://schemas.microsoft.com/office/powerpoint/2010/main" val="2074635071"/>
+              </p:ext>
+            </p:extLst>
+          </p:nvPr>
         </p:nvGraphicFramePr>
         <p:xfrm>
           <a:off x="5393450" y="2644638"/>
@@ -6875,10 +6881,10 @@
                         <a:buNone/>
                       </a:pPr>
                       <a:r>
-                        <a:rPr lang="ko" sz="800"/>
-                        <a:t>&lt;&lt;boundaryl&gt;&gt;</a:t>
+                        <a:rPr lang="ko" sz="800" dirty="0"/>
+                        <a:t>&lt;&lt;boundary&gt;&gt;</a:t>
                       </a:r>
-                      <a:endParaRPr sz="800"/>
+                      <a:endParaRPr sz="800" dirty="0"/>
                     </a:p>
                     <a:p>
                       <a:pPr marL="0" lvl="0" indent="0" algn="ctr" rtl="0">
@@ -6891,10 +6897,10 @@
                         <a:buNone/>
                       </a:pPr>
                       <a:r>
-                        <a:rPr lang="ko" sz="1000"/>
+                        <a:rPr lang="ko" sz="1000" dirty="0"/>
                         <a:t>Database Connection</a:t>
                       </a:r>
-                      <a:endParaRPr sz="1000"/>
+                      <a:endParaRPr sz="1000" dirty="0"/>
                     </a:p>
                   </a:txBody>
                   <a:tcPr marL="91425" marR="91425" marT="91425" marB="91425"/>
@@ -6920,7 +6926,7 @@
                         </a:spcAft>
                         <a:buNone/>
                       </a:pPr>
-                      <a:endParaRPr sz="800"/>
+                      <a:endParaRPr sz="800" dirty="0"/>
                     </a:p>
                   </a:txBody>
                   <a:tcPr marL="91425" marR="91425" marT="91425" marB="91425"/>
@@ -8711,7 +8717,13 @@
         <p:nvGraphicFramePr>
           <p:cNvPr id="228" name="Google Shape;228;p19"/>
           <p:cNvGraphicFramePr/>
-          <p:nvPr/>
+          <p:nvPr>
+            <p:extLst>
+              <p:ext uri="{D42A27DB-BD31-4B8C-83A1-F6EECF244321}">
+                <p14:modId xmlns:p14="http://schemas.microsoft.com/office/powerpoint/2010/main" val="1801762294"/>
+              </p:ext>
+            </p:extLst>
+          </p:nvPr>
         </p:nvGraphicFramePr>
         <p:xfrm>
           <a:off x="5326000" y="2608938"/>
@@ -8749,10 +8761,10 @@
                         <a:buNone/>
                       </a:pPr>
                       <a:r>
-                        <a:rPr lang="ko" sz="800"/>
-                        <a:t>&lt;&lt;boundaryl&gt;&gt;</a:t>
+                        <a:rPr lang="ko" sz="800" dirty="0"/>
+                        <a:t>&lt;&lt;boundary&gt;&gt;</a:t>
                       </a:r>
-                      <a:endParaRPr sz="800"/>
+                      <a:endParaRPr sz="800" dirty="0"/>
                     </a:p>
                     <a:p>
                       <a:pPr marL="0" lvl="0" indent="0" algn="ctr" rtl="0">
@@ -8765,10 +8777,10 @@
                         <a:buNone/>
                       </a:pPr>
                       <a:r>
-                        <a:rPr lang="ko" sz="1000"/>
+                        <a:rPr lang="ko" sz="1000" dirty="0"/>
                         <a:t>Database Connection</a:t>
                       </a:r>
-                      <a:endParaRPr sz="1000"/>
+                      <a:endParaRPr sz="1000" dirty="0"/>
                     </a:p>
                   </a:txBody>
                   <a:tcPr marL="91425" marR="91425" marT="91425" marB="91425"/>
@@ -8794,7 +8806,7 @@
                         </a:spcAft>
                         <a:buNone/>
                       </a:pPr>
-                      <a:endParaRPr sz="800"/>
+                      <a:endParaRPr sz="800" dirty="0"/>
                     </a:p>
                   </a:txBody>
                   <a:tcPr marL="91425" marR="91425" marT="91425" marB="91425"/>
@@ -9816,7 +9828,7 @@
         </p:nvGraphicFramePr>
         <p:xfrm>
           <a:off x="3566625" y="505000"/>
-          <a:ext cx="3000000" cy="3000000"/>
+          <a:ext cx="992100" cy="761940"/>
         </p:xfrm>
         <a:graphic>
           <a:graphicData uri="http://schemas.openxmlformats.org/drawingml/2006/table">
@@ -9966,7 +9978,7 @@
         </p:nvGraphicFramePr>
         <p:xfrm>
           <a:off x="1852800" y="2505200"/>
-          <a:ext cx="3000000" cy="3000000"/>
+          <a:ext cx="992100" cy="1266720"/>
         </p:xfrm>
         <a:graphic>
           <a:graphicData uri="http://schemas.openxmlformats.org/drawingml/2006/table">
@@ -10155,7 +10167,7 @@
         </p:nvGraphicFramePr>
         <p:xfrm>
           <a:off x="1650900" y="487150"/>
-          <a:ext cx="3000000" cy="3000000"/>
+          <a:ext cx="1121625" cy="1036265"/>
         </p:xfrm>
         <a:graphic>
           <a:graphicData uri="http://schemas.openxmlformats.org/drawingml/2006/table">
@@ -10343,7 +10355,7 @@
         </p:nvGraphicFramePr>
         <p:xfrm>
           <a:off x="3550175" y="2618025"/>
-          <a:ext cx="3000000" cy="3000000"/>
+          <a:ext cx="992100" cy="761940"/>
         </p:xfrm>
         <a:graphic>
           <a:graphicData uri="http://schemas.openxmlformats.org/drawingml/2006/table">
@@ -10493,11 +10505,17 @@
         <p:nvGraphicFramePr>
           <p:cNvPr id="272" name="Google Shape;272;p20"/>
           <p:cNvGraphicFramePr/>
-          <p:nvPr/>
+          <p:nvPr>
+            <p:extLst>
+              <p:ext uri="{D42A27DB-BD31-4B8C-83A1-F6EECF244321}">
+                <p14:modId xmlns:p14="http://schemas.microsoft.com/office/powerpoint/2010/main" val="1480289958"/>
+              </p:ext>
+            </p:extLst>
+          </p:nvPr>
         </p:nvGraphicFramePr>
         <p:xfrm>
           <a:off x="5326000" y="2608938"/>
-          <a:ext cx="3000000" cy="3000000"/>
+          <a:ext cx="1494525" cy="914350"/>
         </p:xfrm>
         <a:graphic>
           <a:graphicData uri="http://schemas.openxmlformats.org/drawingml/2006/table">
@@ -10531,10 +10549,10 @@
                         <a:buNone/>
                       </a:pPr>
                       <a:r>
-                        <a:rPr lang="ko" sz="800"/>
-                        <a:t>&lt;&lt;boundaryl&gt;&gt;</a:t>
+                        <a:rPr lang="ko" sz="800" dirty="0"/>
+                        <a:t>&lt;&lt;boundary&gt;&gt;</a:t>
                       </a:r>
-                      <a:endParaRPr sz="800"/>
+                      <a:endParaRPr sz="800" dirty="0"/>
                     </a:p>
                     <a:p>
                       <a:pPr marL="0" lvl="0" indent="0" algn="ctr" rtl="0">
@@ -10547,10 +10565,10 @@
                         <a:buNone/>
                       </a:pPr>
                       <a:r>
-                        <a:rPr lang="ko" sz="1000"/>
+                        <a:rPr lang="ko" sz="1000" dirty="0"/>
                         <a:t>Database Connection</a:t>
                       </a:r>
-                      <a:endParaRPr sz="1000"/>
+                      <a:endParaRPr sz="1000" dirty="0"/>
                     </a:p>
                   </a:txBody>
                   <a:tcPr marL="91425" marR="91425" marT="91425" marB="91425"/>
@@ -10576,7 +10594,7 @@
                         </a:spcAft>
                         <a:buNone/>
                       </a:pPr>
-                      <a:endParaRPr sz="800"/>
+                      <a:endParaRPr sz="800" dirty="0"/>
                     </a:p>
                   </a:txBody>
                   <a:tcPr marL="91425" marR="91425" marT="91425" marB="91425"/>
@@ -11598,7 +11616,7 @@
         </p:nvGraphicFramePr>
         <p:xfrm>
           <a:off x="3566625" y="505000"/>
-          <a:ext cx="3000000" cy="3000000"/>
+          <a:ext cx="992100" cy="761940"/>
         </p:xfrm>
         <a:graphic>
           <a:graphicData uri="http://schemas.openxmlformats.org/drawingml/2006/table">
@@ -11748,7 +11766,7 @@
         </p:nvGraphicFramePr>
         <p:xfrm>
           <a:off x="1852800" y="2505200"/>
-          <a:ext cx="3000000" cy="3000000"/>
+          <a:ext cx="992100" cy="1016220"/>
         </p:xfrm>
         <a:graphic>
           <a:graphicData uri="http://schemas.openxmlformats.org/drawingml/2006/table">
@@ -11949,7 +11967,7 @@
         </p:nvGraphicFramePr>
         <p:xfrm>
           <a:off x="1650900" y="487150"/>
-          <a:ext cx="3000000" cy="3000000"/>
+          <a:ext cx="1121625" cy="1280105"/>
         </p:xfrm>
         <a:graphic>
           <a:graphicData uri="http://schemas.openxmlformats.org/drawingml/2006/table">
@@ -12200,7 +12218,7 @@
         </p:nvGraphicFramePr>
         <p:xfrm>
           <a:off x="3550175" y="2618025"/>
-          <a:ext cx="3000000" cy="3000000"/>
+          <a:ext cx="992100" cy="761940"/>
         </p:xfrm>
         <a:graphic>
           <a:graphicData uri="http://schemas.openxmlformats.org/drawingml/2006/table">
@@ -12350,11 +12368,17 @@
         <p:nvGraphicFramePr>
           <p:cNvPr id="316" name="Google Shape;316;p21"/>
           <p:cNvGraphicFramePr/>
-          <p:nvPr/>
+          <p:nvPr>
+            <p:extLst>
+              <p:ext uri="{D42A27DB-BD31-4B8C-83A1-F6EECF244321}">
+                <p14:modId xmlns:p14="http://schemas.microsoft.com/office/powerpoint/2010/main" val="2930284767"/>
+              </p:ext>
+            </p:extLst>
+          </p:nvPr>
         </p:nvGraphicFramePr>
         <p:xfrm>
           <a:off x="5326000" y="2608938"/>
-          <a:ext cx="3000000" cy="3000000"/>
+          <a:ext cx="1494525" cy="914350"/>
         </p:xfrm>
         <a:graphic>
           <a:graphicData uri="http://schemas.openxmlformats.org/drawingml/2006/table">
@@ -12388,10 +12412,10 @@
                         <a:buNone/>
                       </a:pPr>
                       <a:r>
-                        <a:rPr lang="ko" sz="800"/>
-                        <a:t>&lt;&lt;boundaryl&gt;&gt;</a:t>
+                        <a:rPr lang="ko" sz="800" dirty="0"/>
+                        <a:t>&lt;&lt;boundary&gt;&gt;</a:t>
                       </a:r>
-                      <a:endParaRPr sz="800"/>
+                      <a:endParaRPr sz="800" dirty="0"/>
                     </a:p>
                     <a:p>
                       <a:pPr marL="0" lvl="0" indent="0" algn="ctr" rtl="0">
@@ -12404,10 +12428,10 @@
                         <a:buNone/>
                       </a:pPr>
                       <a:r>
-                        <a:rPr lang="ko" sz="1000"/>
+                        <a:rPr lang="ko" sz="1000" dirty="0"/>
                         <a:t>Database Connection</a:t>
                       </a:r>
-                      <a:endParaRPr sz="1000"/>
+                      <a:endParaRPr sz="1000" dirty="0"/>
                     </a:p>
                   </a:txBody>
                   <a:tcPr marL="91425" marR="91425" marT="91425" marB="91425"/>
@@ -12433,7 +12457,7 @@
                         </a:spcAft>
                         <a:buNone/>
                       </a:pPr>
-                      <a:endParaRPr sz="800"/>
+                      <a:endParaRPr sz="800" dirty="0"/>
                     </a:p>
                   </a:txBody>
                   <a:tcPr marL="91425" marR="91425" marT="91425" marB="91425"/>
@@ -13455,7 +13479,7 @@
         </p:nvGraphicFramePr>
         <p:xfrm>
           <a:off x="3566625" y="505000"/>
-          <a:ext cx="3000000" cy="3000000"/>
+          <a:ext cx="992100" cy="761940"/>
         </p:xfrm>
         <a:graphic>
           <a:graphicData uri="http://schemas.openxmlformats.org/drawingml/2006/table">
@@ -13605,7 +13629,7 @@
         </p:nvGraphicFramePr>
         <p:xfrm>
           <a:off x="1852800" y="2505200"/>
-          <a:ext cx="3000000" cy="3000000"/>
+          <a:ext cx="992100" cy="1016220"/>
         </p:xfrm>
         <a:graphic>
           <a:graphicData uri="http://schemas.openxmlformats.org/drawingml/2006/table">
@@ -13806,7 +13830,7 @@
         </p:nvGraphicFramePr>
         <p:xfrm>
           <a:off x="1650900" y="487150"/>
-          <a:ext cx="3000000" cy="3000000"/>
+          <a:ext cx="1121625" cy="914350"/>
         </p:xfrm>
         <a:graphic>
           <a:graphicData uri="http://schemas.openxmlformats.org/drawingml/2006/table">
@@ -13961,11 +13985,17 @@
         <p:nvGraphicFramePr>
           <p:cNvPr id="358" name="Google Shape;358;p22"/>
           <p:cNvGraphicFramePr/>
-          <p:nvPr/>
+          <p:nvPr>
+            <p:extLst>
+              <p:ext uri="{D42A27DB-BD31-4B8C-83A1-F6EECF244321}">
+                <p14:modId xmlns:p14="http://schemas.microsoft.com/office/powerpoint/2010/main" val="3926884455"/>
+              </p:ext>
+            </p:extLst>
+          </p:nvPr>
         </p:nvGraphicFramePr>
         <p:xfrm>
           <a:off x="3550175" y="2618025"/>
-          <a:ext cx="3000000" cy="3000000"/>
+          <a:ext cx="992100" cy="883860"/>
         </p:xfrm>
         <a:graphic>
           <a:graphicData uri="http://schemas.openxmlformats.org/drawingml/2006/table">
@@ -14045,10 +14075,25 @@
                         <a:buNone/>
                       </a:pPr>
                       <a:r>
-                        <a:rPr lang="ko" sz="800"/>
+                        <a:rPr lang="ko" sz="800" dirty="0"/>
                         <a:t>Restrict Result</a:t>
                       </a:r>
-                      <a:endParaRPr sz="800"/>
+                      <a:endParaRPr lang="en-US" altLang="ko" sz="800" dirty="0"/>
+                    </a:p>
+                    <a:p>
+                      <a:pPr marL="0" lvl="0" indent="0" algn="l" rtl="0">
+                        <a:spcBef>
+                          <a:spcPts val="0"/>
+                        </a:spcBef>
+                        <a:spcAft>
+                          <a:spcPts val="0"/>
+                        </a:spcAft>
+                        <a:buNone/>
+                      </a:pPr>
+                      <a:r>
+                        <a:rPr lang="en-US" sz="800" dirty="0"/>
+                        <a:t>Reported Users</a:t>
+                      </a:r>
                     </a:p>
                   </a:txBody>
                   <a:tcPr marL="91425" marR="91425" marT="91425" marB="91425"/>
@@ -14115,11 +14160,17 @@
         <p:nvGraphicFramePr>
           <p:cNvPr id="360" name="Google Shape;360;p22"/>
           <p:cNvGraphicFramePr/>
-          <p:nvPr/>
+          <p:nvPr>
+            <p:extLst>
+              <p:ext uri="{D42A27DB-BD31-4B8C-83A1-F6EECF244321}">
+                <p14:modId xmlns:p14="http://schemas.microsoft.com/office/powerpoint/2010/main" val="3161170723"/>
+              </p:ext>
+            </p:extLst>
+          </p:nvPr>
         </p:nvGraphicFramePr>
         <p:xfrm>
           <a:off x="5326000" y="2608938"/>
-          <a:ext cx="3000000" cy="3000000"/>
+          <a:ext cx="1494525" cy="914350"/>
         </p:xfrm>
         <a:graphic>
           <a:graphicData uri="http://schemas.openxmlformats.org/drawingml/2006/table">
@@ -14153,10 +14204,10 @@
                         <a:buNone/>
                       </a:pPr>
                       <a:r>
-                        <a:rPr lang="ko" sz="800"/>
-                        <a:t>&lt;&lt;boundaryl&gt;&gt;</a:t>
+                        <a:rPr lang="ko" sz="800" dirty="0"/>
+                        <a:t>&lt;&lt;boundary&gt;&gt;</a:t>
                       </a:r>
-                      <a:endParaRPr sz="800"/>
+                      <a:endParaRPr sz="800" dirty="0"/>
                     </a:p>
                     <a:p>
                       <a:pPr marL="0" lvl="0" indent="0" algn="ctr" rtl="0">
@@ -14169,10 +14220,10 @@
                         <a:buNone/>
                       </a:pPr>
                       <a:r>
-                        <a:rPr lang="ko" sz="1000"/>
+                        <a:rPr lang="ko" sz="1000" dirty="0"/>
                         <a:t>Database Connection</a:t>
                       </a:r>
-                      <a:endParaRPr sz="1000"/>
+                      <a:endParaRPr sz="1000" dirty="0"/>
                     </a:p>
                   </a:txBody>
                   <a:tcPr marL="91425" marR="91425" marT="91425" marB="91425"/>
@@ -14198,7 +14249,7 @@
                         </a:spcAft>
                         <a:buNone/>
                       </a:pPr>
-                      <a:endParaRPr sz="800"/>
+                      <a:endParaRPr sz="800" dirty="0"/>
                     </a:p>
                   </a:txBody>
                   <a:tcPr marL="91425" marR="91425" marT="91425" marB="91425"/>
@@ -15220,7 +15271,7 @@
         </p:nvGraphicFramePr>
         <p:xfrm>
           <a:off x="3566625" y="505000"/>
-          <a:ext cx="3000000" cy="3000000"/>
+          <a:ext cx="992100" cy="761940"/>
         </p:xfrm>
         <a:graphic>
           <a:graphicData uri="http://schemas.openxmlformats.org/drawingml/2006/table">
@@ -15408,7 +15459,7 @@
         </p:nvGraphicFramePr>
         <p:xfrm>
           <a:off x="1650900" y="487150"/>
-          <a:ext cx="3000000" cy="3000000"/>
+          <a:ext cx="1121625" cy="914350"/>
         </p:xfrm>
         <a:graphic>
           <a:graphicData uri="http://schemas.openxmlformats.org/drawingml/2006/table">
@@ -15567,7 +15618,7 @@
         </p:nvGraphicFramePr>
         <p:xfrm>
           <a:off x="3550175" y="2618025"/>
-          <a:ext cx="3000000" cy="3000000"/>
+          <a:ext cx="992100" cy="761940"/>
         </p:xfrm>
         <a:graphic>
           <a:graphicData uri="http://schemas.openxmlformats.org/drawingml/2006/table">
@@ -15717,11 +15768,17 @@
         <p:nvGraphicFramePr>
           <p:cNvPr id="402" name="Google Shape;402;p23"/>
           <p:cNvGraphicFramePr/>
-          <p:nvPr/>
+          <p:nvPr>
+            <p:extLst>
+              <p:ext uri="{D42A27DB-BD31-4B8C-83A1-F6EECF244321}">
+                <p14:modId xmlns:p14="http://schemas.microsoft.com/office/powerpoint/2010/main" val="1331249811"/>
+              </p:ext>
+            </p:extLst>
+          </p:nvPr>
         </p:nvGraphicFramePr>
         <p:xfrm>
           <a:off x="5326000" y="2608938"/>
-          <a:ext cx="3000000" cy="3000000"/>
+          <a:ext cx="1494525" cy="914350"/>
         </p:xfrm>
         <a:graphic>
           <a:graphicData uri="http://schemas.openxmlformats.org/drawingml/2006/table">
@@ -15755,10 +15812,10 @@
                         <a:buNone/>
                       </a:pPr>
                       <a:r>
-                        <a:rPr lang="ko" sz="800"/>
-                        <a:t>&lt;&lt;boundaryl&gt;&gt;</a:t>
+                        <a:rPr lang="ko" sz="800" dirty="0"/>
+                        <a:t>&lt;&lt;boundary&gt;&gt;</a:t>
                       </a:r>
-                      <a:endParaRPr sz="800"/>
+                      <a:endParaRPr sz="800" dirty="0"/>
                     </a:p>
                     <a:p>
                       <a:pPr marL="0" lvl="0" indent="0" algn="ctr" rtl="0">
@@ -15771,10 +15828,10 @@
                         <a:buNone/>
                       </a:pPr>
                       <a:r>
-                        <a:rPr lang="ko" sz="1000"/>
+                        <a:rPr lang="ko" sz="1000" dirty="0"/>
                         <a:t>Database Connection</a:t>
                       </a:r>
-                      <a:endParaRPr sz="1000"/>
+                      <a:endParaRPr sz="1000" dirty="0"/>
                     </a:p>
                   </a:txBody>
                   <a:tcPr marL="91425" marR="91425" marT="91425" marB="91425"/>
@@ -15800,7 +15857,7 @@
                         </a:spcAft>
                         <a:buNone/>
                       </a:pPr>
-                      <a:endParaRPr sz="800"/>
+                      <a:endParaRPr sz="800" dirty="0"/>
                     </a:p>
                   </a:txBody>
                   <a:tcPr marL="91425" marR="91425" marT="91425" marB="91425"/>
@@ -17292,7 +17349,13 @@
         <p:nvGraphicFramePr>
           <p:cNvPr id="440" name="Google Shape;440;p24"/>
           <p:cNvGraphicFramePr/>
-          <p:nvPr/>
+          <p:nvPr>
+            <p:extLst>
+              <p:ext uri="{D42A27DB-BD31-4B8C-83A1-F6EECF244321}">
+                <p14:modId xmlns:p14="http://schemas.microsoft.com/office/powerpoint/2010/main" val="55609836"/>
+              </p:ext>
+            </p:extLst>
+          </p:nvPr>
         </p:nvGraphicFramePr>
         <p:xfrm>
           <a:off x="4584150" y="2278988"/>
@@ -17330,10 +17393,10 @@
                         <a:buNone/>
                       </a:pPr>
                       <a:r>
-                        <a:rPr lang="ko" sz="800"/>
-                        <a:t>&lt;&lt;boundaryl&gt;&gt;</a:t>
+                        <a:rPr lang="ko" sz="800" dirty="0"/>
+                        <a:t>&lt;&lt;boundary&gt;&gt;</a:t>
                       </a:r>
-                      <a:endParaRPr sz="800"/>
+                      <a:endParaRPr sz="800" dirty="0"/>
                     </a:p>
                     <a:p>
                       <a:pPr marL="0" lvl="0" indent="0" algn="ctr" rtl="0">
@@ -17346,10 +17409,10 @@
                         <a:buNone/>
                       </a:pPr>
                       <a:r>
-                        <a:rPr lang="ko" sz="1000"/>
+                        <a:rPr lang="ko" sz="1000" dirty="0"/>
                         <a:t>Database Connection</a:t>
                       </a:r>
-                      <a:endParaRPr sz="1000"/>
+                      <a:endParaRPr sz="1000" dirty="0"/>
                     </a:p>
                   </a:txBody>
                   <a:tcPr marL="91425" marR="91425" marT="91425" marB="91425"/>
@@ -17375,7 +17438,7 @@
                         </a:spcAft>
                         <a:buNone/>
                       </a:pPr>
-                      <a:endParaRPr sz="800"/>
+                      <a:endParaRPr sz="800" dirty="0"/>
                     </a:p>
                   </a:txBody>
                   <a:tcPr marL="91425" marR="91425" marT="91425" marB="91425"/>
@@ -19521,7 +19584,13 @@
         <p:nvGraphicFramePr>
           <p:cNvPr id="497" name="Google Shape;497;p25"/>
           <p:cNvGraphicFramePr/>
-          <p:nvPr/>
+          <p:nvPr>
+            <p:extLst>
+              <p:ext uri="{D42A27DB-BD31-4B8C-83A1-F6EECF244321}">
+                <p14:modId xmlns:p14="http://schemas.microsoft.com/office/powerpoint/2010/main" val="3463724035"/>
+              </p:ext>
+            </p:extLst>
+          </p:nvPr>
         </p:nvGraphicFramePr>
         <p:xfrm>
           <a:off x="5326000" y="2608938"/>
@@ -19559,10 +19628,10 @@
                         <a:buNone/>
                       </a:pPr>
                       <a:r>
-                        <a:rPr lang="ko" sz="800"/>
-                        <a:t>&lt;&lt;boundaryl&gt;&gt;</a:t>
+                        <a:rPr lang="ko" sz="800" dirty="0"/>
+                        <a:t>&lt;&lt;boundary&gt;&gt;</a:t>
                       </a:r>
-                      <a:endParaRPr sz="800"/>
+                      <a:endParaRPr sz="800" dirty="0"/>
                     </a:p>
                     <a:p>
                       <a:pPr marL="0" lvl="0" indent="0" algn="ctr" rtl="0">
@@ -19575,10 +19644,10 @@
                         <a:buNone/>
                       </a:pPr>
                       <a:r>
-                        <a:rPr lang="ko" sz="1000"/>
+                        <a:rPr lang="ko" sz="1000" dirty="0"/>
                         <a:t>Database Connection</a:t>
                       </a:r>
-                      <a:endParaRPr sz="1000"/>
+                      <a:endParaRPr sz="1000" dirty="0"/>
                     </a:p>
                   </a:txBody>
                   <a:tcPr marL="91425" marR="91425" marT="91425" marB="91425"/>
@@ -19604,7 +19673,7 @@
                         </a:spcAft>
                         <a:buNone/>
                       </a:pPr>
-                      <a:endParaRPr sz="800"/>
+                      <a:endParaRPr sz="800" dirty="0"/>
                     </a:p>
                   </a:txBody>
                   <a:tcPr marL="91425" marR="91425" marT="91425" marB="91425"/>
